--- a/1.processus-développement/PowerPointFiles/processus-développement.pptx
+++ b/1.processus-développement/PowerPointFiles/processus-développement.pptx
@@ -5,10 +5,10 @@
     <p:sldMasterId id="2147483648" r:id="rId1"/>
   </p:sldMasterIdLst>
   <p:notesMasterIdLst>
-    <p:notesMasterId r:id="rId12"/>
+    <p:notesMasterId r:id="rId13"/>
   </p:notesMasterIdLst>
   <p:handoutMasterIdLst>
-    <p:handoutMasterId r:id="rId13"/>
+    <p:handoutMasterId r:id="rId14"/>
   </p:handoutMasterIdLst>
   <p:sldIdLst>
     <p:sldId id="270" r:id="rId2"/>
@@ -21,6 +21,7 @@
     <p:sldId id="277" r:id="rId9"/>
     <p:sldId id="278" r:id="rId10"/>
     <p:sldId id="279" r:id="rId11"/>
+    <p:sldId id="280" r:id="rId12"/>
   </p:sldIdLst>
   <p:sldSz cx="18288000" cy="10287000"/>
   <p:notesSz cx="6858000" cy="9144000"/>
@@ -691,7 +692,7 @@
           <a:p>
             <a:r>
               <a:rPr lang="fr-FR" smtClean="0"/>
-              <a:t>1 | &lt;--- La base de...</a:t>
+              <a:t>1 |La base de notre processus de développement est la méthode 2TUP</a:t>
             </a:r>
           </a:p>
           <a:p>
@@ -722,7 +723,7 @@
           <a:p>
             <a:fld id="{91EDE66F-2BA6-4992-A0DF-C34E687926A0}" type="slidenum">
               <a:rPr lang="fr-FR" smtClean="0"/>
-              <a:t>1</a:t>
+              <a:t>2</a:t>
             </a:fld>
             <a:endParaRPr lang="fr-FR"/>
           </a:p>
@@ -731,7 +732,7 @@
     </p:spTree>
     <p:extLst>
       <p:ext uri="{BB962C8B-B14F-4D97-AF65-F5344CB8AC3E}">
-        <p14:creationId xmlns:p14="http://schemas.microsoft.com/office/powerpoint/2010/main" val="1048177852"/>
+        <p14:creationId xmlns:p14="http://schemas.microsoft.com/office/powerpoint/2010/main" val="1537593851"/>
       </p:ext>
     </p:extLst>
   </p:cSld>
@@ -812,7 +813,7 @@
           <a:p>
             <a:fld id="{91EDE66F-2BA6-4992-A0DF-C34E687926A0}" type="slidenum">
               <a:rPr lang="fr-FR" smtClean="0"/>
-              <a:t>2</a:t>
+              <a:t>3</a:t>
             </a:fld>
             <a:endParaRPr lang="fr-FR"/>
           </a:p>
@@ -821,7 +822,7 @@
     </p:spTree>
     <p:extLst>
       <p:ext uri="{BB962C8B-B14F-4D97-AF65-F5344CB8AC3E}">
-        <p14:creationId xmlns:p14="http://schemas.microsoft.com/office/powerpoint/2010/main" val="2295462209"/>
+        <p14:creationId xmlns:p14="http://schemas.microsoft.com/office/powerpoint/2010/main" val="1502892731"/>
       </p:ext>
     </p:extLst>
   </p:cSld>
@@ -914,7 +915,7 @@
           <a:p>
             <a:fld id="{91EDE66F-2BA6-4992-A0DF-C34E687926A0}" type="slidenum">
               <a:rPr lang="fr-FR" smtClean="0"/>
-              <a:t>3</a:t>
+              <a:t>4</a:t>
             </a:fld>
             <a:endParaRPr lang="fr-FR"/>
           </a:p>
@@ -923,7 +924,7 @@
     </p:spTree>
     <p:extLst>
       <p:ext uri="{BB962C8B-B14F-4D97-AF65-F5344CB8AC3E}">
-        <p14:creationId xmlns:p14="http://schemas.microsoft.com/office/powerpoint/2010/main" val="2564289031"/>
+        <p14:creationId xmlns:p14="http://schemas.microsoft.com/office/powerpoint/2010/main" val="2839815727"/>
       </p:ext>
     </p:extLst>
   </p:cSld>
@@ -1004,7 +1005,7 @@
           <a:p>
             <a:fld id="{91EDE66F-2BA6-4992-A0DF-C34E687926A0}" type="slidenum">
               <a:rPr lang="fr-FR" smtClean="0"/>
-              <a:t>10</a:t>
+              <a:t>11</a:t>
             </a:fld>
             <a:endParaRPr lang="fr-FR"/>
           </a:p>
@@ -1013,7 +1014,7 @@
     </p:spTree>
     <p:extLst>
       <p:ext uri="{BB962C8B-B14F-4D97-AF65-F5344CB8AC3E}">
-        <p14:creationId xmlns:p14="http://schemas.microsoft.com/office/powerpoint/2010/main" val="1710533398"/>
+        <p14:creationId xmlns:p14="http://schemas.microsoft.com/office/powerpoint/2010/main" val="725284286"/>
       </p:ext>
     </p:extLst>
   </p:cSld>
@@ -11677,7 +11678,7 @@
               <a:buNone/>
             </a:pPr>
             <a:r>
-              <a:rPr lang="fr-FR" sz="3200" b="1" dirty="0" smtClean="0">
+              <a:rPr lang="fr-FR" sz="3200" b="1" dirty="0" err="1" smtClean="0">
                 <a:solidFill>
                   <a:srgbClr val="B7B7B7"/>
                 </a:solidFill>
@@ -11686,8 +11687,17 @@
                 <a:cs typeface="Roboto"/>
                 <a:sym typeface="Roboto"/>
               </a:rPr>
-              <a:t>HTML5 et CSS3</a:t>
-            </a:r>
+              <a:t>Solicode</a:t>
+            </a:r>
+            <a:endParaRPr lang="fr-FR" sz="3200" b="1" dirty="0" smtClean="0">
+              <a:solidFill>
+                <a:srgbClr val="B7B7B7"/>
+              </a:solidFill>
+              <a:latin typeface="Roboto"/>
+              <a:ea typeface="Roboto"/>
+              <a:cs typeface="Roboto"/>
+              <a:sym typeface="Roboto"/>
+            </a:endParaRPr>
           </a:p>
         </p:txBody>
       </p:sp>
@@ -12128,6 +12138,177 @@
 </file>
 
 <file path=ppt/slides/slide1.xml><?xml version="1.0" encoding="utf-8"?>
+<p:sld xmlns:a="http://schemas.openxmlformats.org/drawingml/2006/main" xmlns:r="http://schemas.openxmlformats.org/officeDocument/2006/relationships" xmlns:p="http://schemas.openxmlformats.org/presentationml/2006/main">
+  <p:cSld>
+    <p:spTree>
+      <p:nvGrpSpPr>
+        <p:cNvPr id="1" name=""/>
+        <p:cNvGrpSpPr/>
+        <p:nvPr/>
+      </p:nvGrpSpPr>
+      <p:grpSpPr>
+        <a:xfrm>
+          <a:off x="0" y="0"/>
+          <a:ext cx="0" cy="0"/>
+          <a:chOff x="0" y="0"/>
+          <a:chExt cx="0" cy="0"/>
+        </a:xfrm>
+      </p:grpSpPr>
+      <p:sp>
+        <p:nvSpPr>
+          <p:cNvPr id="7" name="Titre"/>
+          <p:cNvSpPr>
+            <a:spLocks noGrp="1"/>
+          </p:cNvSpPr>
+          <p:nvPr>
+            <p:ph type="ctrTitle"/>
+          </p:nvPr>
+        </p:nvSpPr>
+        <p:spPr/>
+        <p:txBody>
+          <a:bodyPr/>
+          <a:lstStyle/>
+          <a:p>
+            <a:r>
+              <a:rPr lang="fr-FR" smtClean="0"/>
+              <a:t>Processus de développement : 2TUP</a:t>
+            </a:r>
+            <a:endParaRPr lang="fr-FR"/>
+          </a:p>
+        </p:txBody>
+      </p:sp>
+      <p:sp>
+        <p:nvSpPr>
+          <p:cNvPr id="8" name="SousTitre"/>
+          <p:cNvSpPr>
+            <a:spLocks noGrp="1"/>
+          </p:cNvSpPr>
+          <p:nvPr>
+            <p:ph type="subTitle" idx="1"/>
+          </p:nvPr>
+        </p:nvSpPr>
+        <p:spPr/>
+        <p:txBody>
+          <a:bodyPr/>
+          <a:lstStyle/>
+          <a:p>
+            <a:endParaRPr lang="fr-FR"/>
+          </a:p>
+        </p:txBody>
+      </p:sp>
+    </p:spTree>
+    <p:extLst>
+      <p:ext uri="{BB962C8B-B14F-4D97-AF65-F5344CB8AC3E}">
+        <p14:creationId xmlns:p14="http://schemas.microsoft.com/office/powerpoint/2010/main" val="1546531617"/>
+      </p:ext>
+    </p:extLst>
+  </p:cSld>
+  <p:clrMapOvr>
+    <a:masterClrMapping/>
+  </p:clrMapOvr>
+  <p:timing>
+    <p:tnLst>
+      <p:par>
+        <p:cTn id="1" dur="indefinite" restart="never" nodeType="tmRoot"/>
+      </p:par>
+    </p:tnLst>
+  </p:timing>
+</p:sld>
+</file>
+
+<file path=ppt/slides/slide10.xml><?xml version="1.0" encoding="utf-8"?>
+<p:sld xmlns:a="http://schemas.openxmlformats.org/drawingml/2006/main" xmlns:r="http://schemas.openxmlformats.org/officeDocument/2006/relationships" xmlns:p="http://schemas.openxmlformats.org/presentationml/2006/main">
+  <p:cSld>
+    <p:spTree>
+      <p:nvGrpSpPr>
+        <p:cNvPr id="1" name=""/>
+        <p:cNvGrpSpPr/>
+        <p:nvPr/>
+      </p:nvGrpSpPr>
+      <p:grpSpPr>
+        <a:xfrm>
+          <a:off x="0" y="0"/>
+          <a:ext cx="0" cy="0"/>
+          <a:chOff x="0" y="0"/>
+          <a:chExt cx="0" cy="0"/>
+        </a:xfrm>
+      </p:grpSpPr>
+      <p:sp>
+        <p:nvSpPr>
+          <p:cNvPr id="4" name="Titre"/>
+          <p:cNvSpPr>
+            <a:spLocks noGrp="1"/>
+          </p:cNvSpPr>
+          <p:nvPr>
+            <p:ph type="title"/>
+          </p:nvPr>
+        </p:nvSpPr>
+        <p:spPr/>
+        <p:txBody>
+          <a:bodyPr/>
+          <a:lstStyle/>
+          <a:p>
+            <a:r>
+              <a:rPr lang="fr-FR" smtClean="0"/>
+              <a:t>Rapport</a:t>
+            </a:r>
+            <a:endParaRPr lang="fr-FR"/>
+          </a:p>
+        </p:txBody>
+      </p:sp>
+      <p:sp>
+        <p:nvSpPr>
+          <p:cNvPr id="5" name="contenu"/>
+          <p:cNvSpPr>
+            <a:spLocks noGrp="1"/>
+          </p:cNvSpPr>
+          <p:nvPr>
+            <p:ph idx="1"/>
+          </p:nvPr>
+        </p:nvSpPr>
+        <p:spPr/>
+        <p:txBody>
+          <a:bodyPr/>
+          <a:lstStyle/>
+          <a:p>
+            <a:pPr algn="just"/>
+            <a:r>
+              <a:rPr lang="fr-FR" smtClean="0"/>
+              <a:t>contenue</a:t>
+            </a:r>
+            <a:endParaRPr lang="fr-FR" dirty="0"/>
+          </a:p>
+        </p:txBody>
+      </p:sp>
+    </p:spTree>
+    <p:extLst>
+      <p:ext uri="{BB962C8B-B14F-4D97-AF65-F5344CB8AC3E}">
+        <p14:creationId xmlns:p14="http://schemas.microsoft.com/office/powerpoint/2010/main" val="2072723149"/>
+      </p:ext>
+    </p:extLst>
+  </p:cSld>
+  <p:clrMapOvr>
+    <a:masterClrMapping/>
+  </p:clrMapOvr>
+  <mc:AlternateContent xmlns:mc="http://schemas.openxmlformats.org/markup-compatibility/2006" xmlns:p14="http://schemas.microsoft.com/office/powerpoint/2010/main">
+    <mc:Choice Requires="p14">
+      <p:transition spd="slow" p14:dur="2000"/>
+    </mc:Choice>
+    <mc:Fallback xmlns="">
+      <p:transition spd="slow"/>
+    </mc:Fallback>
+  </mc:AlternateContent>
+  <p:timing>
+    <p:tnLst>
+      <p:par>
+        <p:cTn id="1" dur="indefinite" restart="never" nodeType="tmRoot"/>
+      </p:par>
+    </p:tnLst>
+  </p:timing>
+</p:sld>
+</file>
+
+<file path=ppt/slides/slide11.xml><?xml version="1.0" encoding="utf-8"?>
 <p:sld xmlns:a="http://schemas.openxmlformats.org/drawingml/2006/main" xmlns:r="http://schemas.openxmlformats.org/officeDocument/2006/relationships" xmlns:p="http://schemas.openxmlformats.org/presentationml/2006/main" showMasterPhAnim="0">
   <p:cSld>
     <p:spTree>
@@ -12146,162 +12327,6 @@
       </p:grpSpPr>
       <p:sp>
         <p:nvSpPr>
-          <p:cNvPr id="7" name="Titre"/>
-          <p:cNvSpPr>
-            <a:spLocks noGrp="1"/>
-          </p:cNvSpPr>
-          <p:nvPr>
-            <p:ph type="ctrTitle"/>
-          </p:nvPr>
-        </p:nvSpPr>
-        <p:spPr/>
-        <p:txBody>
-          <a:bodyPr/>
-          <a:lstStyle/>
-          <a:p>
-            <a:r>
-              <a:rPr lang="fr-FR" smtClean="0"/>
-              <a:t>Processus de développement </a:t>
-            </a:r>
-            <a:endParaRPr lang="fr-FR"/>
-          </a:p>
-        </p:txBody>
-      </p:sp>
-      <p:sp>
-        <p:nvSpPr>
-          <p:cNvPr id="8" name="SousTitre"/>
-          <p:cNvSpPr>
-            <a:spLocks noGrp="1"/>
-          </p:cNvSpPr>
-          <p:nvPr>
-            <p:ph type="subTitle" idx="1"/>
-          </p:nvPr>
-        </p:nvSpPr>
-        <p:spPr/>
-        <p:txBody>
-          <a:bodyPr/>
-          <a:lstStyle/>
-          <a:p>
-            <a:r>
-              <a:rPr lang="fr-FR" smtClean="0"/>
-              <a:t>La base de notre processus de développement est la méthode 2TUP</a:t>
-            </a:r>
-          </a:p>
-          <a:p>
-            <a:endParaRPr lang="fr-FR"/>
-          </a:p>
-        </p:txBody>
-      </p:sp>
-    </p:spTree>
-    <p:extLst>
-      <p:ext uri="{BB962C8B-B14F-4D97-AF65-F5344CB8AC3E}">
-        <p14:creationId xmlns:p14="http://schemas.microsoft.com/office/powerpoint/2010/main" val="4221055056"/>
-      </p:ext>
-    </p:extLst>
-  </p:cSld>
-  <p:clrMapOvr>
-    <a:masterClrMapping/>
-  </p:clrMapOvr>
-  <p:timing>
-    <p:tnLst>
-      <p:par>
-        <p:cTn id="1" dur="indefinite" restart="never" nodeType="tmRoot">
-          <p:childTnLst>
-            <p:seq concurrent="1" nextAc="seek">
-              <p:cTn id="2" dur="indefinite" nodeType="mainSeq">
-                <p:childTnLst>
-                  <p:par>
-                    <p:cTn id="3" fill="hold">
-                      <p:stCondLst>
-                        <p:cond delay="indefinite"/>
-                      </p:stCondLst>
-                      <p:childTnLst>
-                        <p:par>
-                          <p:cTn id="4" fill="hold">
-                            <p:stCondLst>
-                              <p:cond delay="0"/>
-                            </p:stCondLst>
-                            <p:childTnLst>
-                              <p:par>
-                                <p:cTn id="5" presetID="1" presetClass="entr" presetSubtype="0" fill="hold" grpId="0" nodeType="clickEffect">
-                                  <p:stCondLst>
-                                    <p:cond delay="0"/>
-                                  </p:stCondLst>
-                                  <p:childTnLst>
-                                    <p:set>
-                                      <p:cBhvr>
-                                        <p:cTn id="6" dur="1" fill="hold">
-                                          <p:stCondLst>
-                                            <p:cond delay="499"/>
-                                          </p:stCondLst>
-                                        </p:cTn>
-                                        <p:tgtEl>
-                                          <p:spTgt spid="8"/>
-                                        </p:tgtEl>
-                                        <p:attrNameLst>
-                                          <p:attrName>style.visibility</p:attrName>
-                                        </p:attrNameLst>
-                                      </p:cBhvr>
-                                      <p:to>
-                                        <p:strVal val="visible"/>
-                                      </p:to>
-                                    </p:set>
-                                  </p:childTnLst>
-                                </p:cTn>
-                              </p:par>
-                            </p:childTnLst>
-                          </p:cTn>
-                        </p:par>
-                      </p:childTnLst>
-                    </p:cTn>
-                  </p:par>
-                </p:childTnLst>
-              </p:cTn>
-              <p:prevCondLst>
-                <p:cond evt="onPrev" delay="0">
-                  <p:tgtEl>
-                    <p:sldTgt/>
-                  </p:tgtEl>
-                </p:cond>
-              </p:prevCondLst>
-              <p:nextCondLst>
-                <p:cond evt="onNext" delay="0">
-                  <p:tgtEl>
-                    <p:sldTgt/>
-                  </p:tgtEl>
-                </p:cond>
-              </p:nextCondLst>
-            </p:seq>
-          </p:childTnLst>
-        </p:cTn>
-      </p:par>
-    </p:tnLst>
-    <p:bldLst>
-      <p:bldP spid="8" grpId="0" autoUpdateAnimBg="0"/>
-    </p:bldLst>
-  </p:timing>
-</p:sld>
-</file>
-
-<file path=ppt/slides/slide10.xml><?xml version="1.0" encoding="utf-8"?>
-<p:sld xmlns:a="http://schemas.openxmlformats.org/drawingml/2006/main" xmlns:r="http://schemas.openxmlformats.org/officeDocument/2006/relationships" xmlns:p="http://schemas.openxmlformats.org/presentationml/2006/main" showMasterPhAnim="0">
-  <p:cSld>
-    <p:spTree>
-      <p:nvGrpSpPr>
-        <p:cNvPr id="1" name=""/>
-        <p:cNvGrpSpPr/>
-        <p:nvPr/>
-      </p:nvGrpSpPr>
-      <p:grpSpPr>
-        <a:xfrm>
-          <a:off x="0" y="0"/>
-          <a:ext cx="0" cy="0"/>
-          <a:chOff x="0" y="0"/>
-          <a:chExt cx="0" cy="0"/>
-        </a:xfrm>
-      </p:grpSpPr>
-      <p:sp>
-        <p:nvSpPr>
           <p:cNvPr id="4" name="Titre"/>
           <p:cNvSpPr>
             <a:spLocks noGrp="1"/>
@@ -12356,7 +12381,7 @@
     </p:spTree>
     <p:extLst>
       <p:ext uri="{BB962C8B-B14F-4D97-AF65-F5344CB8AC3E}">
-        <p14:creationId xmlns:p14="http://schemas.microsoft.com/office/powerpoint/2010/main" val="1163254304"/>
+        <p14:creationId xmlns:p14="http://schemas.microsoft.com/office/powerpoint/2010/main" val="2026475860"/>
       </p:ext>
     </p:extLst>
   </p:cSld>
@@ -12453,7 +12478,7 @@
 </file>
 
 <file path=ppt/slides/slide2.xml><?xml version="1.0" encoding="utf-8"?>
-<p:sld xmlns:a="http://schemas.openxmlformats.org/drawingml/2006/main" xmlns:r="http://schemas.openxmlformats.org/officeDocument/2006/relationships" xmlns:p="http://schemas.openxmlformats.org/presentationml/2006/main" showMasterPhAnim="0">
+<p:sld xmlns:a="http://schemas.openxmlformats.org/drawingml/2006/main" xmlns:r="http://schemas.openxmlformats.org/officeDocument/2006/relationships" xmlns:p="http://schemas.openxmlformats.org/presentationml/2006/main">
   <p:cSld>
     <p:spTree>
       <p:nvGrpSpPr>
@@ -12486,7 +12511,7 @@
           <a:p>
             <a:r>
               <a:rPr lang="fr-FR" smtClean="0"/>
-              <a:t>Branche fonctionnelle</a:t>
+              <a:t>Processus de développement : 2TUP</a:t>
             </a:r>
             <a:endParaRPr lang="fr-FR"/>
           </a:p>
@@ -12510,19 +12535,46 @@
             <a:pPr algn="just"/>
             <a:r>
               <a:rPr lang="fr-FR" smtClean="0"/>
-              <a:t>Analyse </a:t>
-            </a:r>
-          </a:p>
-          <a:p>
-            <a:pPr algn="just"/>
+              <a:t> </a:t>
+            </a:r>
             <a:endParaRPr lang="fr-FR" dirty="0"/>
           </a:p>
         </p:txBody>
       </p:sp>
+      <p:pic>
+        <p:nvPicPr>
+          <p:cNvPr id="2" name="Image 1"/>
+          <p:cNvPicPr>
+            <a:picLocks/>
+          </p:cNvPicPr>
+          <p:nvPr/>
+        </p:nvPicPr>
+        <p:blipFill>
+          <a:blip r:embed="rId3" r:link="rId4">
+            <a:extLst>
+              <a:ext uri="{28A0092B-C50C-407E-A947-70E740481C1C}">
+                <a14:useLocalDpi xmlns:a14="http://schemas.microsoft.com/office/drawing/2010/main" val="0"/>
+              </a:ext>
+            </a:extLst>
+          </a:blip>
+          <a:stretch>
+            <a:fillRect/>
+          </a:stretch>
+        </p:blipFill>
+        <p:spPr>
+          <a:xfrm>
+            <a:off x="4365665" y="2381250"/>
+            <a:ext cx="9556671" cy="6381750"/>
+          </a:xfrm>
+          <a:prstGeom prst="rect">
+            <a:avLst/>
+          </a:prstGeom>
+        </p:spPr>
+      </p:pic>
     </p:spTree>
     <p:extLst>
       <p:ext uri="{BB962C8B-B14F-4D97-AF65-F5344CB8AC3E}">
-        <p14:creationId xmlns:p14="http://schemas.microsoft.com/office/powerpoint/2010/main" val="1454317441"/>
+        <p14:creationId xmlns:p14="http://schemas.microsoft.com/office/powerpoint/2010/main" val="245308439"/>
       </p:ext>
     </p:extLst>
   </p:cSld>
@@ -12558,7 +12610,7 @@
                             </p:stCondLst>
                             <p:childTnLst>
                               <p:par>
-                                <p:cTn id="5" presetID="1" presetClass="entr" presetSubtype="0" fill="hold" grpId="0" nodeType="clickEffect">
+                                <p:cTn id="5" presetID="1" presetClass="entr" presetSubtype="0" fill="hold" nodeType="clickEffect">
                                   <p:stCondLst>
                                     <p:cond delay="0"/>
                                   </p:stCondLst>
@@ -12567,11 +12619,11 @@
                                       <p:cBhvr>
                                         <p:cTn id="6" dur="1" fill="hold">
                                           <p:stCondLst>
-                                            <p:cond delay="499"/>
+                                            <p:cond delay="0"/>
                                           </p:stCondLst>
                                         </p:cTn>
                                         <p:tgtEl>
-                                          <p:spTgt spid="5"/>
+                                          <p:spTgt spid="2"/>
                                         </p:tgtEl>
                                         <p:attrNameLst>
                                           <p:attrName>style.visibility</p:attrName>
@@ -12611,9 +12663,6 @@
         </p:cTn>
       </p:par>
     </p:tnLst>
-    <p:bldLst>
-      <p:bldP spid="5" grpId="0" autoUpdateAnimBg="0"/>
-    </p:bldLst>
   </p:timing>
 </p:sld>
 </file>
@@ -12652,7 +12701,7 @@
           <a:p>
             <a:r>
               <a:rPr lang="fr-FR" smtClean="0"/>
-              <a:t>Branche Technique</a:t>
+              <a:t>Branche fonctionnelle</a:t>
             </a:r>
             <a:endParaRPr lang="fr-FR"/>
           </a:p>
@@ -12676,21 +12725,7 @@
             <a:pPr algn="just"/>
             <a:r>
               <a:rPr lang="fr-FR" smtClean="0"/>
-              <a:t>Analyse technique</a:t>
-            </a:r>
-          </a:p>
-          <a:p>
-            <a:pPr algn="just"/>
-            <a:r>
-              <a:rPr lang="fr-FR" smtClean="0"/>
-              <a:t>Conception générique</a:t>
-            </a:r>
-          </a:p>
-          <a:p>
-            <a:pPr algn="just"/>
-            <a:r>
-              <a:rPr lang="fr-FR" smtClean="0"/>
-              <a:t>Prototype </a:t>
+              <a:t>Analyse </a:t>
             </a:r>
           </a:p>
           <a:p>
@@ -12702,7 +12737,7 @@
     </p:spTree>
     <p:extLst>
       <p:ext uri="{BB962C8B-B14F-4D97-AF65-F5344CB8AC3E}">
-        <p14:creationId xmlns:p14="http://schemas.microsoft.com/office/powerpoint/2010/main" val="922072986"/>
+        <p14:creationId xmlns:p14="http://schemas.microsoft.com/office/powerpoint/2010/main" val="2901861797"/>
       </p:ext>
     </p:extLst>
   </p:cSld>
@@ -12799,7 +12834,7 @@
 </file>
 
 <file path=ppt/slides/slide4.xml><?xml version="1.0" encoding="utf-8"?>
-<p:sld xmlns:a="http://schemas.openxmlformats.org/drawingml/2006/main" xmlns:r="http://schemas.openxmlformats.org/officeDocument/2006/relationships" xmlns:p="http://schemas.openxmlformats.org/presentationml/2006/main">
+<p:sld xmlns:a="http://schemas.openxmlformats.org/drawingml/2006/main" xmlns:r="http://schemas.openxmlformats.org/officeDocument/2006/relationships" xmlns:p="http://schemas.openxmlformats.org/presentationml/2006/main" showMasterPhAnim="0">
   <p:cSld>
     <p:spTree>
       <p:nvGrpSpPr>
@@ -12832,7 +12867,7 @@
           <a:p>
             <a:r>
               <a:rPr lang="fr-FR" smtClean="0"/>
-              <a:t>Conception</a:t>
+              <a:t>Branche Technique</a:t>
             </a:r>
             <a:endParaRPr lang="fr-FR"/>
           </a:p>
@@ -12856,8 +12891,25 @@
             <a:pPr algn="just"/>
             <a:r>
               <a:rPr lang="fr-FR" smtClean="0"/>
-              <a:t>contenue</a:t>
-            </a:r>
+              <a:t>Analyse technique</a:t>
+            </a:r>
+          </a:p>
+          <a:p>
+            <a:pPr algn="just"/>
+            <a:r>
+              <a:rPr lang="fr-FR" smtClean="0"/>
+              <a:t>Conception générique</a:t>
+            </a:r>
+          </a:p>
+          <a:p>
+            <a:pPr algn="just"/>
+            <a:r>
+              <a:rPr lang="fr-FR" smtClean="0"/>
+              <a:t>Prototype </a:t>
+            </a:r>
+          </a:p>
+          <a:p>
+            <a:pPr algn="just"/>
             <a:endParaRPr lang="fr-FR" dirty="0"/>
           </a:p>
         </p:txBody>
@@ -12865,7 +12917,7 @@
     </p:spTree>
     <p:extLst>
       <p:ext uri="{BB962C8B-B14F-4D97-AF65-F5344CB8AC3E}">
-        <p14:creationId xmlns:p14="http://schemas.microsoft.com/office/powerpoint/2010/main" val="2710547532"/>
+        <p14:creationId xmlns:p14="http://schemas.microsoft.com/office/powerpoint/2010/main" val="4045623468"/>
       </p:ext>
     </p:extLst>
   </p:cSld>
@@ -12883,9 +12935,80 @@
   <p:timing>
     <p:tnLst>
       <p:par>
-        <p:cTn id="1" dur="indefinite" restart="never" nodeType="tmRoot"/>
+        <p:cTn id="1" dur="indefinite" restart="never" nodeType="tmRoot">
+          <p:childTnLst>
+            <p:seq concurrent="1" nextAc="seek">
+              <p:cTn id="2" dur="indefinite" nodeType="mainSeq">
+                <p:childTnLst>
+                  <p:par>
+                    <p:cTn id="3" fill="hold">
+                      <p:stCondLst>
+                        <p:cond delay="indefinite"/>
+                      </p:stCondLst>
+                      <p:childTnLst>
+                        <p:par>
+                          <p:cTn id="4" fill="hold">
+                            <p:stCondLst>
+                              <p:cond delay="0"/>
+                            </p:stCondLst>
+                            <p:childTnLst>
+                              <p:par>
+                                <p:cTn id="5" presetID="1" presetClass="entr" presetSubtype="0" fill="hold" grpId="0" nodeType="clickEffect">
+                                  <p:stCondLst>
+                                    <p:cond delay="0"/>
+                                  </p:stCondLst>
+                                  <p:childTnLst>
+                                    <p:set>
+                                      <p:cBhvr>
+                                        <p:cTn id="6" dur="1" fill="hold">
+                                          <p:stCondLst>
+                                            <p:cond delay="499"/>
+                                          </p:stCondLst>
+                                        </p:cTn>
+                                        <p:tgtEl>
+                                          <p:spTgt spid="5"/>
+                                        </p:tgtEl>
+                                        <p:attrNameLst>
+                                          <p:attrName>style.visibility</p:attrName>
+                                        </p:attrNameLst>
+                                      </p:cBhvr>
+                                      <p:to>
+                                        <p:strVal val="visible"/>
+                                      </p:to>
+                                    </p:set>
+                                  </p:childTnLst>
+                                </p:cTn>
+                              </p:par>
+                            </p:childTnLst>
+                          </p:cTn>
+                        </p:par>
+                      </p:childTnLst>
+                    </p:cTn>
+                  </p:par>
+                </p:childTnLst>
+              </p:cTn>
+              <p:prevCondLst>
+                <p:cond evt="onPrev" delay="0">
+                  <p:tgtEl>
+                    <p:sldTgt/>
+                  </p:tgtEl>
+                </p:cond>
+              </p:prevCondLst>
+              <p:nextCondLst>
+                <p:cond evt="onNext" delay="0">
+                  <p:tgtEl>
+                    <p:sldTgt/>
+                  </p:tgtEl>
+                </p:cond>
+              </p:nextCondLst>
+            </p:seq>
+          </p:childTnLst>
+        </p:cTn>
       </p:par>
     </p:tnLst>
+    <p:bldLst>
+      <p:bldP spid="5" grpId="0" autoUpdateAnimBg="0"/>
+    </p:bldLst>
   </p:timing>
 </p:sld>
 </file>
@@ -12924,7 +13047,7 @@
           <a:p>
             <a:r>
               <a:rPr lang="fr-FR" smtClean="0"/>
-              <a:t>Codage</a:t>
+              <a:t>Conception</a:t>
             </a:r>
             <a:endParaRPr lang="fr-FR"/>
           </a:p>
@@ -12957,7 +13080,7 @@
     </p:spTree>
     <p:extLst>
       <p:ext uri="{BB962C8B-B14F-4D97-AF65-F5344CB8AC3E}">
-        <p14:creationId xmlns:p14="http://schemas.microsoft.com/office/powerpoint/2010/main" val="2831027652"/>
+        <p14:creationId xmlns:p14="http://schemas.microsoft.com/office/powerpoint/2010/main" val="3705633351"/>
       </p:ext>
     </p:extLst>
   </p:cSld>
@@ -13016,7 +13139,7 @@
           <a:p>
             <a:r>
               <a:rPr lang="fr-FR" smtClean="0"/>
-              <a:t>Test</a:t>
+              <a:t>Codage</a:t>
             </a:r>
             <a:endParaRPr lang="fr-FR"/>
           </a:p>
@@ -13049,7 +13172,7 @@
     </p:spTree>
     <p:extLst>
       <p:ext uri="{BB962C8B-B14F-4D97-AF65-F5344CB8AC3E}">
-        <p14:creationId xmlns:p14="http://schemas.microsoft.com/office/powerpoint/2010/main" val="1593920229"/>
+        <p14:creationId xmlns:p14="http://schemas.microsoft.com/office/powerpoint/2010/main" val="2945361148"/>
       </p:ext>
     </p:extLst>
   </p:cSld>
@@ -13108,7 +13231,7 @@
           <a:p>
             <a:r>
               <a:rPr lang="fr-FR" smtClean="0"/>
-              <a:t>Déploiement</a:t>
+              <a:t>Test</a:t>
             </a:r>
             <a:endParaRPr lang="fr-FR"/>
           </a:p>
@@ -13141,7 +13264,7 @@
     </p:spTree>
     <p:extLst>
       <p:ext uri="{BB962C8B-B14F-4D97-AF65-F5344CB8AC3E}">
-        <p14:creationId xmlns:p14="http://schemas.microsoft.com/office/powerpoint/2010/main" val="3005386756"/>
+        <p14:creationId xmlns:p14="http://schemas.microsoft.com/office/powerpoint/2010/main" val="74979865"/>
       </p:ext>
     </p:extLst>
   </p:cSld>
@@ -13200,7 +13323,7 @@
           <a:p>
             <a:r>
               <a:rPr lang="fr-FR" smtClean="0"/>
-              <a:t>Presentation</a:t>
+              <a:t>Déploiement</a:t>
             </a:r>
             <a:endParaRPr lang="fr-FR"/>
           </a:p>
@@ -13233,7 +13356,7 @@
     </p:spTree>
     <p:extLst>
       <p:ext uri="{BB962C8B-B14F-4D97-AF65-F5344CB8AC3E}">
-        <p14:creationId xmlns:p14="http://schemas.microsoft.com/office/powerpoint/2010/main" val="2079500098"/>
+        <p14:creationId xmlns:p14="http://schemas.microsoft.com/office/powerpoint/2010/main" val="3055376571"/>
       </p:ext>
     </p:extLst>
   </p:cSld>
@@ -13292,7 +13415,7 @@
           <a:p>
             <a:r>
               <a:rPr lang="fr-FR" smtClean="0"/>
-              <a:t>Rapport</a:t>
+              <a:t>Presentation</a:t>
             </a:r>
             <a:endParaRPr lang="fr-FR"/>
           </a:p>
@@ -13325,7 +13448,7 @@
     </p:spTree>
     <p:extLst>
       <p:ext uri="{BB962C8B-B14F-4D97-AF65-F5344CB8AC3E}">
-        <p14:creationId xmlns:p14="http://schemas.microsoft.com/office/powerpoint/2010/main" val="2228603860"/>
+        <p14:creationId xmlns:p14="http://schemas.microsoft.com/office/powerpoint/2010/main" val="2097544770"/>
       </p:ext>
     </p:extLst>
   </p:cSld>
@@ -13605,7 +13728,7 @@
   <a:extraClrSchemeLst/>
   <a:extLst>
     <a:ext uri="{05A4C25C-085E-4340-85A3-A5531E510DB2}">
-      <thm15:themeFamily xmlns:thm15="http://schemas.microsoft.com/office/thememl/2012/main" name="template.potx" id="{4FCCE3CA-4F48-4715-87ED-DD2F4A18015A}" vid="{125EE4A2-A8F8-46F0-8149-3B203E4E44D0}"/>
+      <thm15:themeFamily xmlns:thm15="http://schemas.microsoft.com/office/thememl/2012/main" name="template.potx" id="{EA231FC7-FF82-46A2-B473-E0239B4606BC}" vid="{4C4BA38E-2D5E-472D-9FB7-9EDF46D38059}"/>
     </a:ext>
   </a:extLst>
 </a:theme>
